--- a/presentations/dQMs CQL FHIR with MS Fabric and Power BI.pptx
+++ b/presentations/dQMs CQL FHIR with MS Fabric and Power BI.pptx
@@ -1,6 +1,6 @@
 
 <file path=ppt/presentation.xml><?xml version="1.0" encoding="utf-8"?>
-<p:presentation xmlns:a="http://schemas.openxmlformats.org/drawingml/2006/main" xmlns:r="http://schemas.openxmlformats.org/officeDocument/2006/relationships" xmlns:p="http://schemas.openxmlformats.org/presentationml/2006/main" saveSubsetFonts="1">
+<p:presentation xmlns:a="http://schemas.openxmlformats.org/drawingml/2006/main" xmlns:r="http://schemas.openxmlformats.org/officeDocument/2006/relationships" xmlns:p="http://schemas.openxmlformats.org/presentationml/2006/main" showSpecialPlsOnTitleSld="0" saveSubsetFonts="1">
   <p:sldMasterIdLst>
     <p:sldMasterId id="2147483648" r:id="rId4"/>
   </p:sldMasterIdLst>
@@ -660,6 +660,10 @@
             </a:lvl1pPr>
           </a:lstStyle>
           <a:p>
+            <a:r>
+              <a:rPr lang="en-US"/>
+              <a:t>Copyright © 2026 Hans Esquivel. All Rights Reserved.</a:t>
+            </a:r>
             <a:endParaRPr lang="en-US" dirty="0"/>
           </a:p>
         </p:txBody>
@@ -1178,6 +1182,10 @@
             </a:lvl1pPr>
           </a:lstStyle>
           <a:p>
+            <a:r>
+              <a:rPr lang="en-US"/>
+              <a:t>Copyright © 2026 Hans Esquivel. All Rights Reserved.</a:t>
+            </a:r>
             <a:endParaRPr lang="en-US" dirty="0"/>
           </a:p>
         </p:txBody>
@@ -2710,6 +2718,10 @@
             </a:lvl1pPr>
           </a:lstStyle>
           <a:p>
+            <a:r>
+              <a:rPr lang="en-US"/>
+              <a:t>Copyright © 2026 Hans Esquivel. All Rights Reserved.</a:t>
+            </a:r>
             <a:endParaRPr lang="en-US" dirty="0"/>
           </a:p>
         </p:txBody>
@@ -3336,6 +3348,10 @@
             </a:lvl1pPr>
           </a:lstStyle>
           <a:p>
+            <a:r>
+              <a:rPr lang="en-US"/>
+              <a:t>Copyright © 2026 Hans Esquivel. All Rights Reserved.</a:t>
+            </a:r>
             <a:endParaRPr lang="en-US" dirty="0"/>
           </a:p>
         </p:txBody>
@@ -4227,6 +4243,10 @@
             </a:lvl1pPr>
           </a:lstStyle>
           <a:p>
+            <a:r>
+              <a:rPr lang="en-US"/>
+              <a:t>Copyright © 2026 Hans Esquivel. All Rights Reserved.</a:t>
+            </a:r>
             <a:endParaRPr lang="en-US" dirty="0"/>
           </a:p>
         </p:txBody>
@@ -4743,6 +4763,10 @@
             </a:lvl1pPr>
           </a:lstStyle>
           <a:p>
+            <a:r>
+              <a:rPr lang="en-US"/>
+              <a:t>Copyright © 2026 Hans Esquivel. All Rights Reserved.</a:t>
+            </a:r>
             <a:endParaRPr lang="en-US" dirty="0"/>
           </a:p>
         </p:txBody>
@@ -6493,6 +6517,10 @@
             </a:lvl1pPr>
           </a:lstStyle>
           <a:p>
+            <a:r>
+              <a:rPr lang="en-US"/>
+              <a:t>Copyright © 2026 Hans Esquivel. All Rights Reserved.</a:t>
+            </a:r>
             <a:endParaRPr lang="en-US" dirty="0"/>
           </a:p>
         </p:txBody>
@@ -7277,6 +7305,10 @@
             </a:lvl1pPr>
           </a:lstStyle>
           <a:p>
+            <a:r>
+              <a:rPr lang="en-US"/>
+              <a:t>Copyright © 2026 Hans Esquivel. All Rights Reserved.</a:t>
+            </a:r>
             <a:endParaRPr lang="en-US" dirty="0"/>
           </a:p>
         </p:txBody>
@@ -8764,6 +8796,10 @@
             </a:lvl1pPr>
           </a:lstStyle>
           <a:p>
+            <a:r>
+              <a:rPr lang="en-US"/>
+              <a:t>Copyright © 2026 Hans Esquivel. All Rights Reserved.</a:t>
+            </a:r>
             <a:endParaRPr lang="en-US" dirty="0"/>
           </a:p>
         </p:txBody>
@@ -10171,6 +10207,10 @@
             </a:lvl1pPr>
           </a:lstStyle>
           <a:p>
+            <a:r>
+              <a:rPr lang="en-US"/>
+              <a:t>Copyright © 2026 Hans Esquivel. All Rights Reserved.</a:t>
+            </a:r>
             <a:endParaRPr lang="en-US" dirty="0"/>
           </a:p>
         </p:txBody>
@@ -10614,6 +10654,10 @@
             </a:lvl1pPr>
           </a:lstStyle>
           <a:p>
+            <a:r>
+              <a:rPr lang="en-US"/>
+              <a:t>Copyright © 2026 Hans Esquivel. All Rights Reserved.</a:t>
+            </a:r>
             <a:endParaRPr lang="en-US" dirty="0"/>
           </a:p>
         </p:txBody>
@@ -11036,6 +11080,10 @@
             </a:lvl1pPr>
           </a:lstStyle>
           <a:p>
+            <a:r>
+              <a:rPr lang="en-US"/>
+              <a:t>Copyright © 2026 Hans Esquivel. All Rights Reserved.</a:t>
+            </a:r>
             <a:endParaRPr lang="en-US" dirty="0"/>
           </a:p>
         </p:txBody>
@@ -11432,6 +11480,10 @@
             </a:lvl1pPr>
           </a:lstStyle>
           <a:p>
+            <a:r>
+              <a:rPr lang="en-US"/>
+              <a:t>Copyright © 2026 Hans Esquivel. All Rights Reserved.</a:t>
+            </a:r>
             <a:endParaRPr lang="en-US" dirty="0"/>
           </a:p>
         </p:txBody>
@@ -11813,7 +11865,7 @@
     <p:sldLayoutId id="2147483650" r:id="rId12"/>
     <p:sldLayoutId id="2147483669" r:id="rId13"/>
   </p:sldLayoutIdLst>
-  <p:hf hdr="0" ftr="0" dt="0"/>
+  <p:hf hdr="0" dt="0"/>
   <p:txStyles>
     <p:titleStyle>
       <a:lvl1pPr algn="l" defTabSz="914400" rtl="0" eaLnBrk="1" latinLnBrk="0" hangingPunct="1">
@@ -13013,6 +13065,35 @@
           </a:p>
         </p:txBody>
       </p:sp>
+      <p:sp>
+        <p:nvSpPr>
+          <p:cNvPr id="5" name="Footer Placeholder 4">
+            <a:extLst>
+              <a:ext uri="{FF2B5EF4-FFF2-40B4-BE49-F238E27FC236}">
+                <a16:creationId xmlns:a16="http://schemas.microsoft.com/office/drawing/2014/main" id="{D03DCAC9-2F98-EE2A-9ECC-51B4E3547C8D}"/>
+              </a:ext>
+            </a:extLst>
+          </p:cNvPr>
+          <p:cNvSpPr>
+            <a:spLocks noGrp="1"/>
+          </p:cNvSpPr>
+          <p:nvPr>
+            <p:ph type="ftr" sz="quarter" idx="10"/>
+          </p:nvPr>
+        </p:nvSpPr>
+        <p:spPr/>
+        <p:txBody>
+          <a:bodyPr/>
+          <a:lstStyle/>
+          <a:p>
+            <a:r>
+              <a:rPr lang="en-US"/>
+              <a:t>Copyright © 2026 Hans Esquivel. All Rights Reserved.</a:t>
+            </a:r>
+            <a:endParaRPr lang="en-US" dirty="0"/>
+          </a:p>
+        </p:txBody>
+      </p:sp>
     </p:spTree>
     <p:extLst>
       <p:ext uri="{BB962C8B-B14F-4D97-AF65-F5344CB8AC3E}">
@@ -13299,6 +13380,35 @@
               <a:rPr lang="en-US" cap="none" dirty="0"/>
               <a:t>What’s Next for CQL and Quality Measures</a:t>
             </a:r>
+          </a:p>
+        </p:txBody>
+      </p:sp>
+      <p:sp>
+        <p:nvSpPr>
+          <p:cNvPr id="2" name="Footer Placeholder 1">
+            <a:extLst>
+              <a:ext uri="{FF2B5EF4-FFF2-40B4-BE49-F238E27FC236}">
+                <a16:creationId xmlns:a16="http://schemas.microsoft.com/office/drawing/2014/main" id="{941D160B-75C2-B16A-2C7D-31AE7E2C21D9}"/>
+              </a:ext>
+            </a:extLst>
+          </p:cNvPr>
+          <p:cNvSpPr>
+            <a:spLocks noGrp="1"/>
+          </p:cNvSpPr>
+          <p:nvPr>
+            <p:ph type="ftr" sz="quarter" idx="10"/>
+          </p:nvPr>
+        </p:nvSpPr>
+        <p:spPr/>
+        <p:txBody>
+          <a:bodyPr/>
+          <a:lstStyle/>
+          <a:p>
+            <a:r>
+              <a:rPr lang="en-US"/>
+              <a:t>Copyright © 2026 Hans Esquivel. All Rights Reserved.</a:t>
+            </a:r>
+            <a:endParaRPr lang="en-US" dirty="0"/>
           </a:p>
         </p:txBody>
       </p:sp>
@@ -15873,6 +15983,35 @@
           </a:p>
         </p:txBody>
       </p:sp>
+      <p:sp>
+        <p:nvSpPr>
+          <p:cNvPr id="2" name="Footer Placeholder 1">
+            <a:extLst>
+              <a:ext uri="{FF2B5EF4-FFF2-40B4-BE49-F238E27FC236}">
+                <a16:creationId xmlns:a16="http://schemas.microsoft.com/office/drawing/2014/main" id="{72B27199-EEAC-BB1D-BF1F-D96FC3E56CF2}"/>
+              </a:ext>
+            </a:extLst>
+          </p:cNvPr>
+          <p:cNvSpPr>
+            <a:spLocks noGrp="1"/>
+          </p:cNvSpPr>
+          <p:nvPr>
+            <p:ph type="ftr" sz="quarter" idx="10"/>
+          </p:nvPr>
+        </p:nvSpPr>
+        <p:spPr/>
+        <p:txBody>
+          <a:bodyPr/>
+          <a:lstStyle/>
+          <a:p>
+            <a:r>
+              <a:rPr lang="en-US"/>
+              <a:t>Copyright © 2026 Hans Esquivel. All Rights Reserved.</a:t>
+            </a:r>
+            <a:endParaRPr lang="en-US" dirty="0"/>
+          </a:p>
+        </p:txBody>
+      </p:sp>
     </p:spTree>
     <p:extLst>
       <p:ext uri="{BB962C8B-B14F-4D97-AF65-F5344CB8AC3E}">
@@ -16170,6 +16309,35 @@
               </a:rPr>
               <a:t>While CQL-based eCQMs are still required, DQMs are not yet a required component but are expected through CMS in the future interoperability initiatives. </a:t>
             </a:r>
+          </a:p>
+        </p:txBody>
+      </p:sp>
+      <p:sp>
+        <p:nvSpPr>
+          <p:cNvPr id="2" name="Footer Placeholder 1">
+            <a:extLst>
+              <a:ext uri="{FF2B5EF4-FFF2-40B4-BE49-F238E27FC236}">
+                <a16:creationId xmlns:a16="http://schemas.microsoft.com/office/drawing/2014/main" id="{27D6B590-A3DA-B066-08A3-E2B5167BD032}"/>
+              </a:ext>
+            </a:extLst>
+          </p:cNvPr>
+          <p:cNvSpPr>
+            <a:spLocks noGrp="1"/>
+          </p:cNvSpPr>
+          <p:nvPr>
+            <p:ph type="ftr" sz="quarter" idx="10"/>
+          </p:nvPr>
+        </p:nvSpPr>
+        <p:spPr/>
+        <p:txBody>
+          <a:bodyPr/>
+          <a:lstStyle/>
+          <a:p>
+            <a:r>
+              <a:rPr lang="en-US"/>
+              <a:t>Copyright © 2026 Hans Esquivel. All Rights Reserved.</a:t>
+            </a:r>
+            <a:endParaRPr lang="en-US" dirty="0"/>
           </a:p>
         </p:txBody>
       </p:sp>
@@ -16387,6 +16555,35 @@
           </a:p>
         </p:txBody>
       </p:sp>
+      <p:sp>
+        <p:nvSpPr>
+          <p:cNvPr id="2" name="Footer Placeholder 1">
+            <a:extLst>
+              <a:ext uri="{FF2B5EF4-FFF2-40B4-BE49-F238E27FC236}">
+                <a16:creationId xmlns:a16="http://schemas.microsoft.com/office/drawing/2014/main" id="{F29DB990-65D0-9A99-60E8-30413E362360}"/>
+              </a:ext>
+            </a:extLst>
+          </p:cNvPr>
+          <p:cNvSpPr>
+            <a:spLocks noGrp="1"/>
+          </p:cNvSpPr>
+          <p:nvPr>
+            <p:ph type="ftr" sz="quarter" idx="10"/>
+          </p:nvPr>
+        </p:nvSpPr>
+        <p:spPr/>
+        <p:txBody>
+          <a:bodyPr/>
+          <a:lstStyle/>
+          <a:p>
+            <a:r>
+              <a:rPr lang="en-US"/>
+              <a:t>Copyright © 2026 Hans Esquivel. All Rights Reserved.</a:t>
+            </a:r>
+            <a:endParaRPr lang="en-US" dirty="0"/>
+          </a:p>
+        </p:txBody>
+      </p:sp>
     </p:spTree>
     <p:extLst>
       <p:ext uri="{BB962C8B-B14F-4D97-AF65-F5344CB8AC3E}">
@@ -16669,6 +16866,35 @@
           </a:p>
         </p:txBody>
       </p:sp>
+      <p:sp>
+        <p:nvSpPr>
+          <p:cNvPr id="2" name="Footer Placeholder 1">
+            <a:extLst>
+              <a:ext uri="{FF2B5EF4-FFF2-40B4-BE49-F238E27FC236}">
+                <a16:creationId xmlns:a16="http://schemas.microsoft.com/office/drawing/2014/main" id="{55C2AE36-ADEC-AAAB-B146-D4984A864F65}"/>
+              </a:ext>
+            </a:extLst>
+          </p:cNvPr>
+          <p:cNvSpPr>
+            <a:spLocks noGrp="1"/>
+          </p:cNvSpPr>
+          <p:nvPr>
+            <p:ph type="ftr" sz="quarter" idx="10"/>
+          </p:nvPr>
+        </p:nvSpPr>
+        <p:spPr/>
+        <p:txBody>
+          <a:bodyPr/>
+          <a:lstStyle/>
+          <a:p>
+            <a:r>
+              <a:rPr lang="en-US"/>
+              <a:t>Copyright © 2026 Hans Esquivel. All Rights Reserved.</a:t>
+            </a:r>
+            <a:endParaRPr lang="en-US" dirty="0"/>
+          </a:p>
+        </p:txBody>
+      </p:sp>
     </p:spTree>
     <p:extLst>
       <p:ext uri="{BB962C8B-B14F-4D97-AF65-F5344CB8AC3E}">
@@ -17257,6 +17483,35 @@
           </a:fontRef>
         </p:style>
       </p:cxnSp>
+      <p:sp>
+        <p:nvSpPr>
+          <p:cNvPr id="6" name="Footer Placeholder 5">
+            <a:extLst>
+              <a:ext uri="{FF2B5EF4-FFF2-40B4-BE49-F238E27FC236}">
+                <a16:creationId xmlns:a16="http://schemas.microsoft.com/office/drawing/2014/main" id="{56018BBE-E011-D09B-7816-C73E1AD63A07}"/>
+              </a:ext>
+            </a:extLst>
+          </p:cNvPr>
+          <p:cNvSpPr>
+            <a:spLocks noGrp="1"/>
+          </p:cNvSpPr>
+          <p:nvPr>
+            <p:ph type="ftr" sz="quarter" idx="10"/>
+          </p:nvPr>
+        </p:nvSpPr>
+        <p:spPr/>
+        <p:txBody>
+          <a:bodyPr/>
+          <a:lstStyle/>
+          <a:p>
+            <a:r>
+              <a:rPr lang="en-US"/>
+              <a:t>Copyright © 2026 Hans Esquivel. All Rights Reserved.</a:t>
+            </a:r>
+            <a:endParaRPr lang="en-US" dirty="0"/>
+          </a:p>
+        </p:txBody>
+      </p:sp>
     </p:spTree>
     <p:extLst>
       <p:ext uri="{BB962C8B-B14F-4D97-AF65-F5344CB8AC3E}">
@@ -19352,6 +19607,35 @@
           </a:prstGeom>
         </p:spPr>
       </p:pic>
+      <p:sp>
+        <p:nvSpPr>
+          <p:cNvPr id="2" name="Footer Placeholder 1">
+            <a:extLst>
+              <a:ext uri="{FF2B5EF4-FFF2-40B4-BE49-F238E27FC236}">
+                <a16:creationId xmlns:a16="http://schemas.microsoft.com/office/drawing/2014/main" id="{2D1CE842-8D8A-F110-430F-AFDCC09428CA}"/>
+              </a:ext>
+            </a:extLst>
+          </p:cNvPr>
+          <p:cNvSpPr>
+            <a:spLocks noGrp="1"/>
+          </p:cNvSpPr>
+          <p:nvPr>
+            <p:ph type="ftr" sz="quarter" idx="10"/>
+          </p:nvPr>
+        </p:nvSpPr>
+        <p:spPr/>
+        <p:txBody>
+          <a:bodyPr/>
+          <a:lstStyle/>
+          <a:p>
+            <a:r>
+              <a:rPr lang="en-US"/>
+              <a:t>Copyright © 2026 Hans Esquivel. All Rights Reserved.</a:t>
+            </a:r>
+            <a:endParaRPr lang="en-US" dirty="0"/>
+          </a:p>
+        </p:txBody>
+      </p:sp>
     </p:spTree>
     <p:extLst>
       <p:ext uri="{BB962C8B-B14F-4D97-AF65-F5344CB8AC3E}">
@@ -19453,6 +19737,35 @@
           </a:prstGeom>
         </p:spPr>
       </p:pic>
+      <p:sp>
+        <p:nvSpPr>
+          <p:cNvPr id="2" name="Footer Placeholder 1">
+            <a:extLst>
+              <a:ext uri="{FF2B5EF4-FFF2-40B4-BE49-F238E27FC236}">
+                <a16:creationId xmlns:a16="http://schemas.microsoft.com/office/drawing/2014/main" id="{58E395DB-3859-EF2C-E245-185C267D3B75}"/>
+              </a:ext>
+            </a:extLst>
+          </p:cNvPr>
+          <p:cNvSpPr>
+            <a:spLocks noGrp="1"/>
+          </p:cNvSpPr>
+          <p:nvPr>
+            <p:ph type="ftr" sz="quarter" idx="10"/>
+          </p:nvPr>
+        </p:nvSpPr>
+        <p:spPr/>
+        <p:txBody>
+          <a:bodyPr/>
+          <a:lstStyle/>
+          <a:p>
+            <a:r>
+              <a:rPr lang="en-US"/>
+              <a:t>Copyright © 2026 Hans Esquivel. All Rights Reserved.</a:t>
+            </a:r>
+            <a:endParaRPr lang="en-US" dirty="0"/>
+          </a:p>
+        </p:txBody>
+      </p:sp>
     </p:spTree>
     <p:extLst>
       <p:ext uri="{BB962C8B-B14F-4D97-AF65-F5344CB8AC3E}">
@@ -19716,6 +20029,35 @@
               <a:rPr lang="en-US" cap="none" dirty="0"/>
               <a:t>Key Milestones &amp; Timeline</a:t>
             </a:r>
+          </a:p>
+        </p:txBody>
+      </p:sp>
+      <p:sp>
+        <p:nvSpPr>
+          <p:cNvPr id="2" name="Footer Placeholder 1">
+            <a:extLst>
+              <a:ext uri="{FF2B5EF4-FFF2-40B4-BE49-F238E27FC236}">
+                <a16:creationId xmlns:a16="http://schemas.microsoft.com/office/drawing/2014/main" id="{2611A629-0F15-FD78-C218-A085A1681519}"/>
+              </a:ext>
+            </a:extLst>
+          </p:cNvPr>
+          <p:cNvSpPr>
+            <a:spLocks noGrp="1"/>
+          </p:cNvSpPr>
+          <p:nvPr>
+            <p:ph type="ftr" sz="quarter" idx="10"/>
+          </p:nvPr>
+        </p:nvSpPr>
+        <p:spPr/>
+        <p:txBody>
+          <a:bodyPr/>
+          <a:lstStyle/>
+          <a:p>
+            <a:r>
+              <a:rPr lang="en-US"/>
+              <a:t>Copyright © 2026 Hans Esquivel. All Rights Reserved.</a:t>
+            </a:r>
+            <a:endParaRPr lang="en-US" dirty="0"/>
           </a:p>
         </p:txBody>
       </p:sp>
